--- a/Documentation/기획서/시스템/달력디자인.pptx
+++ b/Documentation/기획서/시스템/달력디자인.pptx
@@ -271,7 +271,7 @@
           <a:p>
             <a:fld id="{FED8CEA4-1CEC-4965-AC0B-65E75D64EBCB}" type="datetimeFigureOut">
               <a:rPr lang="ko-KR" altLang="en-US" smtClean="0"/>
-              <a:t>2023-02-05</a:t>
+              <a:t>2023-02-09</a:t>
             </a:fld>
             <a:endParaRPr lang="ko-KR" altLang="en-US"/>
           </a:p>
@@ -469,7 +469,7 @@
           <a:p>
             <a:fld id="{FED8CEA4-1CEC-4965-AC0B-65E75D64EBCB}" type="datetimeFigureOut">
               <a:rPr lang="ko-KR" altLang="en-US" smtClean="0"/>
-              <a:t>2023-02-05</a:t>
+              <a:t>2023-02-09</a:t>
             </a:fld>
             <a:endParaRPr lang="ko-KR" altLang="en-US"/>
           </a:p>
@@ -677,7 +677,7 @@
           <a:p>
             <a:fld id="{FED8CEA4-1CEC-4965-AC0B-65E75D64EBCB}" type="datetimeFigureOut">
               <a:rPr lang="ko-KR" altLang="en-US" smtClean="0"/>
-              <a:t>2023-02-05</a:t>
+              <a:t>2023-02-09</a:t>
             </a:fld>
             <a:endParaRPr lang="ko-KR" altLang="en-US"/>
           </a:p>
@@ -875,7 +875,7 @@
           <a:p>
             <a:fld id="{FED8CEA4-1CEC-4965-AC0B-65E75D64EBCB}" type="datetimeFigureOut">
               <a:rPr lang="ko-KR" altLang="en-US" smtClean="0"/>
-              <a:t>2023-02-05</a:t>
+              <a:t>2023-02-09</a:t>
             </a:fld>
             <a:endParaRPr lang="ko-KR" altLang="en-US"/>
           </a:p>
@@ -1150,7 +1150,7 @@
           <a:p>
             <a:fld id="{FED8CEA4-1CEC-4965-AC0B-65E75D64EBCB}" type="datetimeFigureOut">
               <a:rPr lang="ko-KR" altLang="en-US" smtClean="0"/>
-              <a:t>2023-02-05</a:t>
+              <a:t>2023-02-09</a:t>
             </a:fld>
             <a:endParaRPr lang="ko-KR" altLang="en-US"/>
           </a:p>
@@ -1415,7 +1415,7 @@
           <a:p>
             <a:fld id="{FED8CEA4-1CEC-4965-AC0B-65E75D64EBCB}" type="datetimeFigureOut">
               <a:rPr lang="ko-KR" altLang="en-US" smtClean="0"/>
-              <a:t>2023-02-05</a:t>
+              <a:t>2023-02-09</a:t>
             </a:fld>
             <a:endParaRPr lang="ko-KR" altLang="en-US"/>
           </a:p>
@@ -1827,7 +1827,7 @@
           <a:p>
             <a:fld id="{FED8CEA4-1CEC-4965-AC0B-65E75D64EBCB}" type="datetimeFigureOut">
               <a:rPr lang="ko-KR" altLang="en-US" smtClean="0"/>
-              <a:t>2023-02-05</a:t>
+              <a:t>2023-02-09</a:t>
             </a:fld>
             <a:endParaRPr lang="ko-KR" altLang="en-US"/>
           </a:p>
@@ -1968,7 +1968,7 @@
           <a:p>
             <a:fld id="{FED8CEA4-1CEC-4965-AC0B-65E75D64EBCB}" type="datetimeFigureOut">
               <a:rPr lang="ko-KR" altLang="en-US" smtClean="0"/>
-              <a:t>2023-02-05</a:t>
+              <a:t>2023-02-09</a:t>
             </a:fld>
             <a:endParaRPr lang="ko-KR" altLang="en-US"/>
           </a:p>
@@ -2081,7 +2081,7 @@
           <a:p>
             <a:fld id="{FED8CEA4-1CEC-4965-AC0B-65E75D64EBCB}" type="datetimeFigureOut">
               <a:rPr lang="ko-KR" altLang="en-US" smtClean="0"/>
-              <a:t>2023-02-05</a:t>
+              <a:t>2023-02-09</a:t>
             </a:fld>
             <a:endParaRPr lang="ko-KR" altLang="en-US"/>
           </a:p>
@@ -2392,7 +2392,7 @@
           <a:p>
             <a:fld id="{FED8CEA4-1CEC-4965-AC0B-65E75D64EBCB}" type="datetimeFigureOut">
               <a:rPr lang="ko-KR" altLang="en-US" smtClean="0"/>
-              <a:t>2023-02-05</a:t>
+              <a:t>2023-02-09</a:t>
             </a:fld>
             <a:endParaRPr lang="ko-KR" altLang="en-US"/>
           </a:p>
@@ -2680,7 +2680,7 @@
           <a:p>
             <a:fld id="{FED8CEA4-1CEC-4965-AC0B-65E75D64EBCB}" type="datetimeFigureOut">
               <a:rPr lang="ko-KR" altLang="en-US" smtClean="0"/>
-              <a:t>2023-02-05</a:t>
+              <a:t>2023-02-09</a:t>
             </a:fld>
             <a:endParaRPr lang="ko-KR" altLang="en-US"/>
           </a:p>
@@ -2921,7 +2921,7 @@
           <a:p>
             <a:fld id="{FED8CEA4-1CEC-4965-AC0B-65E75D64EBCB}" type="datetimeFigureOut">
               <a:rPr lang="ko-KR" altLang="en-US" smtClean="0"/>
-              <a:t>2023-02-05</a:t>
+              <a:t>2023-02-09</a:t>
             </a:fld>
             <a:endParaRPr lang="ko-KR" altLang="en-US"/>
           </a:p>
@@ -30238,15 +30238,6 @@
 </file>
 
 <file path=customXml/item2.xml><?xml version="1.0" encoding="utf-8"?>
-<?mso-contentType ?>
-<FormTemplates xmlns="http://schemas.microsoft.com/sharepoint/v3/contenttype/forms">
-  <Display>DocumentLibraryForm</Display>
-  <Edit>DocumentLibraryForm</Edit>
-  <New>DocumentLibraryForm</New>
-</FormTemplates>
-</file>
-
-<file path=customXml/item3.xml><?xml version="1.0" encoding="utf-8"?>
 <ct:contentTypeSchema xmlns:ct="http://schemas.microsoft.com/office/2006/metadata/contentType" xmlns:ma="http://schemas.microsoft.com/office/2006/metadata/properties/metaAttributes" ct:_="" ma:_="" ma:contentTypeName="문서" ma:contentTypeID="0x01010018F3EC1344EAE349BFE7D82125B18266" ma:contentTypeVersion="2" ma:contentTypeDescription="새 문서를 만듭니다." ma:contentTypeScope="" ma:versionID="739e6bd182540a3d5f2579bafc7ce875">
   <xsd:schema xmlns:xsd="http://www.w3.org/2001/XMLSchema" xmlns:xs="http://www.w3.org/2001/XMLSchema" xmlns:p="http://schemas.microsoft.com/office/2006/metadata/properties" xmlns:ns3="4478f80c-e40c-4d60-af65-2a52bf279489" targetNamespace="http://schemas.microsoft.com/office/2006/metadata/properties" ma:root="true" ma:fieldsID="048f50ae1bb8146701b40d83656602d6" ns3:_="">
     <xsd:import namespace="4478f80c-e40c-4d60-af65-2a52bf279489"/>
@@ -30378,6 +30369,15 @@
 </ct:contentTypeSchema>
 </file>
 
+<file path=customXml/item3.xml><?xml version="1.0" encoding="utf-8"?>
+<?mso-contentType ?>
+<FormTemplates xmlns="http://schemas.microsoft.com/sharepoint/v3/contenttype/forms">
+  <Display>DocumentLibraryForm</Display>
+  <Edit>DocumentLibraryForm</Edit>
+  <New>DocumentLibraryForm</New>
+</FormTemplates>
+</file>
+
 <file path=customXml/itemProps1.xml><?xml version="1.0" encoding="utf-8"?>
 <ds:datastoreItem xmlns:ds="http://schemas.openxmlformats.org/officeDocument/2006/customXml" ds:itemID="{0ACC1F93-E89F-4991-BF5A-E8BA4617E6A6}">
   <ds:schemaRefs>
@@ -30395,14 +30395,6 @@
 </file>
 
 <file path=customXml/itemProps2.xml><?xml version="1.0" encoding="utf-8"?>
-<ds:datastoreItem xmlns:ds="http://schemas.openxmlformats.org/officeDocument/2006/customXml" ds:itemID="{B8F9A0E3-35DE-430A-BED5-7D7968A9CE8C}">
-  <ds:schemaRefs>
-    <ds:schemaRef ds:uri="http://schemas.microsoft.com/sharepoint/v3/contenttype/forms"/>
-  </ds:schemaRefs>
-</ds:datastoreItem>
-</file>
-
-<file path=customXml/itemProps3.xml><?xml version="1.0" encoding="utf-8"?>
 <ds:datastoreItem xmlns:ds="http://schemas.openxmlformats.org/officeDocument/2006/customXml" ds:itemID="{BD464EF7-4482-49CD-A9AB-19D20777E9EA}">
   <ds:schemaRefs>
     <ds:schemaRef ds:uri="http://schemas.microsoft.com/office/2006/metadata/contentType"/>
@@ -30418,4 +30410,12 @@
     <ds:schemaRef ds:uri="http://schemas.microsoft.com/internal/obd"/>
   </ds:schemaRefs>
 </ds:datastoreItem>
+</file>
+
+<file path=customXml/itemProps3.xml><?xml version="1.0" encoding="utf-8"?>
+<ds:datastoreItem xmlns:ds="http://schemas.openxmlformats.org/officeDocument/2006/customXml" ds:itemID="{B8F9A0E3-35DE-430A-BED5-7D7968A9CE8C}">
+  <ds:schemaRefs>
+    <ds:schemaRef ds:uri="http://schemas.microsoft.com/sharepoint/v3/contenttype/forms"/>
+  </ds:schemaRefs>
+</ds:datastoreItem>
 </file>